--- a/001_JavaScript/009_lesson/Presentation/events_2.pptx
+++ b/001_JavaScript/009_lesson/Presentation/events_2.pptx
@@ -117,7 +117,7 @@
   </p:defaultTextStyle>
   <p:extLst>
     <p:ext uri="{EFAFB233-063F-42B5-8137-9DF3F51BA10A}">
-      <p15:sldGuideLst xmlns:p15="http://schemas.microsoft.com/office/powerpoint/2012/main" xmlns="">
+      <p15:sldGuideLst xmlns="" xmlns:p15="http://schemas.microsoft.com/office/powerpoint/2012/main">
         <p15:guide id="1" orient="horz" pos="1620">
           <p15:clr>
             <a:srgbClr val="A4A3A4"/>
@@ -141,7 +141,7 @@
       </p15:sldGuideLst>
     </p:ext>
     <p:ext uri="{2D200454-40CA-4A62-9FC3-DE9A4176ACB9}">
-      <p15:notesGuideLst xmlns:p15="http://schemas.microsoft.com/office/powerpoint/2012/main" xmlns="">
+      <p15:notesGuideLst xmlns="" xmlns:p15="http://schemas.microsoft.com/office/powerpoint/2012/main">
         <p15:guide id="1" orient="horz" pos="2880">
           <p15:clr>
             <a:srgbClr val="A4A3A4"/>
@@ -241,7 +241,7 @@
             <a:fld id="{C1951A84-8083-4F68-A786-57C80B44AB3C}" type="datetimeFigureOut">
               <a:rPr lang="en-US" smtClean="0"/>
               <a:pPr/>
-              <a:t>6/16/2016</a:t>
+              <a:t>7/28/2016</a:t>
             </a:fld>
             <a:endParaRPr lang="en-US"/>
           </a:p>
@@ -317,7 +317,7 @@
     </p:spTree>
     <p:extLst>
       <p:ext uri="{BB962C8B-B14F-4D97-AF65-F5344CB8AC3E}">
-        <p14:creationId xmlns:p14="http://schemas.microsoft.com/office/powerpoint/2010/main" xmlns="" val="171833131"/>
+        <p14:creationId xmlns="" xmlns:p14="http://schemas.microsoft.com/office/powerpoint/2010/main" val="171833131"/>
       </p:ext>
     </p:extLst>
   </p:cSld>
@@ -408,7 +408,7 @@
             <a:fld id="{F938EB94-4B54-4539-BEE7-C3885B42E71C}" type="datetimeFigureOut">
               <a:rPr lang="en-US" smtClean="0"/>
               <a:pPr/>
-              <a:t>6/16/2016</a:t>
+              <a:t>7/28/2016</a:t>
             </a:fld>
             <a:endParaRPr lang="en-US"/>
           </a:p>
@@ -577,7 +577,7 @@
     </p:spTree>
     <p:extLst>
       <p:ext uri="{BB962C8B-B14F-4D97-AF65-F5344CB8AC3E}">
-        <p14:creationId xmlns:p14="http://schemas.microsoft.com/office/powerpoint/2010/main" xmlns="" val="4273275644"/>
+        <p14:creationId xmlns="" xmlns:p14="http://schemas.microsoft.com/office/powerpoint/2010/main" val="4273275644"/>
       </p:ext>
     </p:extLst>
   </p:cSld>
@@ -1184,7 +1184,7 @@
     </p:spTree>
     <p:extLst>
       <p:ext uri="{BB962C8B-B14F-4D97-AF65-F5344CB8AC3E}">
-        <p14:creationId xmlns:p14="http://schemas.microsoft.com/office/powerpoint/2010/main" xmlns="" val="3537187278"/>
+        <p14:creationId xmlns="" xmlns:p14="http://schemas.microsoft.com/office/powerpoint/2010/main" val="3537187278"/>
       </p:ext>
     </p:extLst>
   </p:cSld>
@@ -1230,7 +1230,7 @@
           <a:blip r:embed="rId2" cstate="print">
             <a:extLst>
               <a:ext uri="{28A0092B-C50C-407E-A947-70E740481C1C}">
-                <a14:useLocalDpi xmlns:a14="http://schemas.microsoft.com/office/drawing/2010/main" xmlns="" val="0"/>
+                <a14:useLocalDpi xmlns="" xmlns:a14="http://schemas.microsoft.com/office/drawing/2010/main" val="0"/>
               </a:ext>
             </a:extLst>
           </a:blip>
@@ -1254,14 +1254,14 @@
           <a:effectLst/>
           <a:extLst>
             <a:ext uri="{909E8E84-426E-40DD-AFC4-6F175D3DCCD1}">
-              <a14:hiddenFill xmlns:a14="http://schemas.microsoft.com/office/drawing/2010/main" xmlns="">
+              <a14:hiddenFill xmlns="" xmlns:a14="http://schemas.microsoft.com/office/drawing/2010/main">
                 <a:solidFill>
                   <a:schemeClr val="accent1"/>
                 </a:solidFill>
               </a14:hiddenFill>
             </a:ext>
             <a:ext uri="{91240B29-F687-4F45-9708-019B960494DF}">
-              <a14:hiddenLine xmlns:a14="http://schemas.microsoft.com/office/drawing/2010/main" xmlns="" w="9525">
+              <a14:hiddenLine xmlns="" xmlns:a14="http://schemas.microsoft.com/office/drawing/2010/main" w="9525">
                 <a:solidFill>
                   <a:schemeClr val="tx1"/>
                 </a:solidFill>
@@ -1271,7 +1271,7 @@
               </a14:hiddenLine>
             </a:ext>
             <a:ext uri="{AF507438-7753-43E0-B8FC-AC1667EBCBE1}">
-              <a14:hiddenEffects xmlns:a14="http://schemas.microsoft.com/office/drawing/2010/main" xmlns="">
+              <a14:hiddenEffects xmlns="" xmlns:a14="http://schemas.microsoft.com/office/drawing/2010/main">
                 <a:effectLst>
                   <a:outerShdw dist="35921" dir="2700000" algn="ctr" rotWithShape="0">
                     <a:schemeClr val="bg2"/>
@@ -1412,7 +1412,7 @@
     </p:spTree>
     <p:extLst>
       <p:ext uri="{BB962C8B-B14F-4D97-AF65-F5344CB8AC3E}">
-        <p14:creationId xmlns:p14="http://schemas.microsoft.com/office/powerpoint/2010/main" xmlns="" val="2097366919"/>
+        <p14:creationId xmlns="" xmlns:p14="http://schemas.microsoft.com/office/powerpoint/2010/main" val="2097366919"/>
       </p:ext>
     </p:extLst>
   </p:cSld>
@@ -1487,7 +1487,7 @@
     </p:spTree>
     <p:extLst>
       <p:ext uri="{BB962C8B-B14F-4D97-AF65-F5344CB8AC3E}">
-        <p14:creationId xmlns:p14="http://schemas.microsoft.com/office/powerpoint/2010/main" xmlns="" val="779007194"/>
+        <p14:creationId xmlns="" xmlns:p14="http://schemas.microsoft.com/office/powerpoint/2010/main" val="779007194"/>
       </p:ext>
     </p:extLst>
   </p:cSld>
@@ -1815,7 +1815,9 @@
           <a:lstStyle/>
           <a:p>
             <a:pPr algn="ctr"/>
-            <a:endParaRPr lang="en-US" dirty="0"/>
+            <a:endParaRPr lang="en-US" dirty="0">
+              <a:latin typeface="Calibri" pitchFamily="34" charset="0"/>
+            </a:endParaRPr>
           </a:p>
         </p:txBody>
       </p:sp>
@@ -1846,7 +1848,7 @@
                 <a:solidFill>
                   <a:schemeClr val="bg1"/>
                 </a:solidFill>
-                <a:latin typeface="Roboto Thin" panose="02000000000000000000" pitchFamily="2" charset="0"/>
+                <a:latin typeface="Calibri" pitchFamily="34" charset="0"/>
                 <a:ea typeface="Roboto Thin" panose="02000000000000000000" pitchFamily="2" charset="0"/>
                 <a:cs typeface="Roboto Thin" panose="02000000000000000000" pitchFamily="2" charset="0"/>
               </a:rPr>
@@ -1856,7 +1858,7 @@
               <a:solidFill>
                 <a:srgbClr val="7564BC"/>
               </a:solidFill>
-              <a:latin typeface="Roboto Thin" panose="02000000000000000000" pitchFamily="2" charset="0"/>
+              <a:latin typeface="Calibri" pitchFamily="34" charset="0"/>
               <a:ea typeface="Roboto Thin" panose="02000000000000000000" pitchFamily="2" charset="0"/>
               <a:cs typeface="Roboto Thin" panose="02000000000000000000" pitchFamily="2" charset="0"/>
             </a:endParaRPr>
@@ -2048,7 +2050,7 @@
                     <a:lumOff val="10000"/>
                   </a:schemeClr>
                 </a:solidFill>
-                <a:latin typeface="Roboto Light" panose="02000000000000000000" pitchFamily="2" charset="0"/>
+                <a:latin typeface="Calibri" pitchFamily="34" charset="0"/>
                 <a:ea typeface="Roboto Light" panose="02000000000000000000" pitchFamily="2" charset="0"/>
                 <a:cs typeface="Roboto Light" panose="02000000000000000000" pitchFamily="2" charset="0"/>
               </a:rPr>
@@ -2061,7 +2063,7 @@
                   <a:lumOff val="10000"/>
                 </a:schemeClr>
               </a:solidFill>
-              <a:latin typeface="Roboto Light" panose="02000000000000000000" pitchFamily="2" charset="0"/>
+              <a:latin typeface="Calibri" pitchFamily="34" charset="0"/>
               <a:ea typeface="Roboto Light" panose="02000000000000000000" pitchFamily="2" charset="0"/>
               <a:cs typeface="Roboto Light" panose="02000000000000000000" pitchFamily="2" charset="0"/>
             </a:endParaRPr>
@@ -2080,7 +2082,7 @@
           <a:blip r:embed="rId2" cstate="print">
             <a:extLst>
               <a:ext uri="{28A0092B-C50C-407E-A947-70E740481C1C}">
-                <a14:useLocalDpi xmlns:a14="http://schemas.microsoft.com/office/drawing/2010/main" xmlns="" val="0"/>
+                <a14:useLocalDpi xmlns="" xmlns:a14="http://schemas.microsoft.com/office/drawing/2010/main" val="0"/>
               </a:ext>
             </a:extLst>
           </a:blip>
@@ -2100,7 +2102,7 @@
           <a:noFill/>
           <a:extLst>
             <a:ext uri="{909E8E84-426E-40DD-AFC4-6F175D3DCCD1}">
-              <a14:hiddenFill xmlns:a14="http://schemas.microsoft.com/office/drawing/2010/main" xmlns="">
+              <a14:hiddenFill xmlns="" xmlns:a14="http://schemas.microsoft.com/office/drawing/2010/main">
                 <a:solidFill>
                   <a:srgbClr val="FFFFFF"/>
                 </a:solidFill>
@@ -2136,20 +2138,22 @@
                 <a:solidFill>
                   <a:srgbClr val="7564BC"/>
                 </a:solidFill>
-                <a:latin typeface="Roboto Black" panose="02000000000000000000" pitchFamily="2" charset="0"/>
+                <a:latin typeface="Calibri" pitchFamily="34" charset="0"/>
                 <a:ea typeface="Roboto Black" panose="02000000000000000000" pitchFamily="2" charset="0"/>
                 <a:cs typeface="Roboto Black" panose="02000000000000000000" pitchFamily="2" charset="0"/>
               </a:rPr>
               <a:t>Обработка событий</a:t>
             </a:r>
-            <a:endParaRPr lang="en-US" dirty="0"/>
+            <a:endParaRPr lang="en-US" dirty="0">
+              <a:latin typeface="Calibri" pitchFamily="34" charset="0"/>
+            </a:endParaRPr>
           </a:p>
         </p:txBody>
       </p:sp>
     </p:spTree>
     <p:extLst>
       <p:ext uri="{BB962C8B-B14F-4D97-AF65-F5344CB8AC3E}">
-        <p14:creationId xmlns:p14="http://schemas.microsoft.com/office/powerpoint/2010/main" xmlns="" val="3436223543"/>
+        <p14:creationId xmlns="" xmlns:p14="http://schemas.microsoft.com/office/powerpoint/2010/main" val="3436223543"/>
       </p:ext>
     </p:extLst>
   </p:cSld>
@@ -2195,8 +2199,8 @@
         </p:nvSpPr>
         <p:spPr>
           <a:xfrm>
-            <a:off x="457200" y="209550"/>
-            <a:ext cx="8229600" cy="716280"/>
+            <a:off x="457200" y="194310"/>
+            <a:ext cx="8229600" cy="548640"/>
           </a:xfrm>
         </p:spPr>
         <p:txBody>
@@ -2204,18 +2208,26 @@
           <a:lstStyle/>
           <a:p>
             <a:r>
-              <a:rPr lang="uk-UA" dirty="0" err="1" smtClean="0"/>
+              <a:rPr lang="uk-UA" sz="2800" dirty="0" err="1" smtClean="0">
+                <a:latin typeface="Calibri" pitchFamily="34" charset="0"/>
+              </a:rPr>
               <a:t>Интерфейс</a:t>
             </a:r>
             <a:r>
-              <a:rPr lang="uk-UA" dirty="0" smtClean="0"/>
+              <a:rPr lang="uk-UA" sz="2800" dirty="0" smtClean="0">
+                <a:latin typeface="Calibri" pitchFamily="34" charset="0"/>
+              </a:rPr>
               <a:t> </a:t>
             </a:r>
             <a:r>
-              <a:rPr lang="en-US" sz="4400" dirty="0" smtClean="0"/>
+              <a:rPr lang="en-US" sz="2800" dirty="0" smtClean="0">
+                <a:latin typeface="Calibri" pitchFamily="34" charset="0"/>
+              </a:rPr>
               <a:t>Event</a:t>
             </a:r>
-            <a:endParaRPr lang="en-US" sz="4400" dirty="0"/>
+            <a:endParaRPr lang="en-US" sz="2800" dirty="0">
+              <a:latin typeface="Calibri" pitchFamily="34" charset="0"/>
+            </a:endParaRPr>
           </a:p>
         </p:txBody>
       </p:sp>
@@ -2241,7 +2253,9 @@
           </a:bodyPr>
           <a:lstStyle/>
           <a:p>
-            <a:endParaRPr lang="en-US" dirty="0"/>
+            <a:endParaRPr lang="en-US" dirty="0">
+              <a:latin typeface="Calibri" pitchFamily="34" charset="0"/>
+            </a:endParaRPr>
           </a:p>
         </p:txBody>
       </p:sp>
@@ -2269,16 +2283,22 @@
           <a:p>
             <a:pPr algn="ctr"/>
             <a:r>
-              <a:rPr lang="uk-UA" dirty="0" err="1" smtClean="0"/>
+              <a:rPr lang="uk-UA" dirty="0" err="1" smtClean="0">
+                <a:latin typeface="Calibri" pitchFamily="34" charset="0"/>
+              </a:rPr>
               <a:t>Свойства</a:t>
             </a:r>
             <a:r>
-              <a:rPr lang="en-US" dirty="0" smtClean="0"/>
+              <a:rPr lang="en-US" dirty="0" smtClean="0">
+                <a:latin typeface="Calibri" pitchFamily="34" charset="0"/>
+              </a:rPr>
               <a:t>:  </a:t>
             </a:r>
           </a:p>
           <a:p>
-            <a:endParaRPr lang="uk-UA" dirty="0" smtClean="0"/>
+            <a:endParaRPr lang="uk-UA" dirty="0" smtClean="0">
+              <a:latin typeface="Calibri" pitchFamily="34" charset="0"/>
+            </a:endParaRPr>
           </a:p>
           <a:p>
             <a:pPr lvl="2">
@@ -2286,10 +2306,11 @@
               <a:buChar char="•"/>
             </a:pPr>
             <a:r>
-              <a:rPr lang="en-US" dirty="0" smtClean="0"/>
+              <a:rPr lang="en-US" dirty="0" smtClean="0">
+                <a:latin typeface="Calibri" pitchFamily="34" charset="0"/>
+              </a:rPr>
               <a:t> button</a:t>
             </a:r>
-            <a:endParaRPr lang="en-US" dirty="0" smtClean="0"/>
           </a:p>
           <a:p>
             <a:pPr lvl="2">
@@ -2297,14 +2318,20 @@
               <a:buChar char="•"/>
             </a:pPr>
             <a:r>
-              <a:rPr lang="en-US" dirty="0" smtClean="0"/>
+              <a:rPr lang="en-US" dirty="0" smtClean="0">
+                <a:latin typeface="Calibri" pitchFamily="34" charset="0"/>
+              </a:rPr>
               <a:t> </a:t>
             </a:r>
             <a:r>
-              <a:rPr lang="en-US" dirty="0" err="1" smtClean="0"/>
+              <a:rPr lang="en-US" dirty="0" err="1" smtClean="0">
+                <a:latin typeface="Calibri" pitchFamily="34" charset="0"/>
+              </a:rPr>
               <a:t>altKey</a:t>
             </a:r>
-            <a:endParaRPr lang="en-US" dirty="0" smtClean="0"/>
+            <a:endParaRPr lang="en-US" dirty="0" smtClean="0">
+              <a:latin typeface="Calibri" pitchFamily="34" charset="0"/>
+            </a:endParaRPr>
           </a:p>
           <a:p>
             <a:pPr lvl="2">
@@ -2312,14 +2339,20 @@
               <a:buChar char="•"/>
             </a:pPr>
             <a:r>
-              <a:rPr lang="en-US" dirty="0" smtClean="0"/>
+              <a:rPr lang="en-US" dirty="0" smtClean="0">
+                <a:latin typeface="Calibri" pitchFamily="34" charset="0"/>
+              </a:rPr>
               <a:t> </a:t>
             </a:r>
             <a:r>
-              <a:rPr lang="en-US" dirty="0" err="1" smtClean="0"/>
+              <a:rPr lang="en-US" dirty="0" err="1" smtClean="0">
+                <a:latin typeface="Calibri" pitchFamily="34" charset="0"/>
+              </a:rPr>
               <a:t>ctrlKey</a:t>
             </a:r>
-            <a:endParaRPr lang="en-US" dirty="0" smtClean="0"/>
+            <a:endParaRPr lang="en-US" dirty="0" smtClean="0">
+              <a:latin typeface="Calibri" pitchFamily="34" charset="0"/>
+            </a:endParaRPr>
           </a:p>
           <a:p>
             <a:pPr lvl="2">
@@ -2327,14 +2360,20 @@
               <a:buChar char="•"/>
             </a:pPr>
             <a:r>
-              <a:rPr lang="en-US" dirty="0" smtClean="0"/>
+              <a:rPr lang="en-US" dirty="0" smtClean="0">
+                <a:latin typeface="Calibri" pitchFamily="34" charset="0"/>
+              </a:rPr>
               <a:t> </a:t>
             </a:r>
             <a:r>
-              <a:rPr lang="en-US" dirty="0" err="1" smtClean="0"/>
+              <a:rPr lang="en-US" dirty="0" err="1" smtClean="0">
+                <a:latin typeface="Calibri" pitchFamily="34" charset="0"/>
+              </a:rPr>
               <a:t>shiftKey</a:t>
             </a:r>
-            <a:endParaRPr lang="en-US" dirty="0" smtClean="0"/>
+            <a:endParaRPr lang="en-US" dirty="0" smtClean="0">
+              <a:latin typeface="Calibri" pitchFamily="34" charset="0"/>
+            </a:endParaRPr>
           </a:p>
           <a:p>
             <a:pPr lvl="2">
@@ -2342,14 +2381,20 @@
               <a:buChar char="•"/>
             </a:pPr>
             <a:r>
-              <a:rPr lang="en-US" dirty="0" smtClean="0"/>
+              <a:rPr lang="en-US" dirty="0" smtClean="0">
+                <a:latin typeface="Calibri" pitchFamily="34" charset="0"/>
+              </a:rPr>
               <a:t> </a:t>
             </a:r>
             <a:r>
-              <a:rPr lang="en-US" dirty="0" err="1" smtClean="0"/>
+              <a:rPr lang="en-US" dirty="0" err="1" smtClean="0">
+                <a:latin typeface="Calibri" pitchFamily="34" charset="0"/>
+              </a:rPr>
               <a:t>clientX</a:t>
             </a:r>
-            <a:endParaRPr lang="en-US" dirty="0" smtClean="0"/>
+            <a:endParaRPr lang="en-US" dirty="0" smtClean="0">
+              <a:latin typeface="Calibri" pitchFamily="34" charset="0"/>
+            </a:endParaRPr>
           </a:p>
           <a:p>
             <a:pPr lvl="2">
@@ -2357,14 +2402,20 @@
               <a:buChar char="•"/>
             </a:pPr>
             <a:r>
-              <a:rPr lang="en-US" dirty="0" smtClean="0"/>
+              <a:rPr lang="en-US" dirty="0" smtClean="0">
+                <a:latin typeface="Calibri" pitchFamily="34" charset="0"/>
+              </a:rPr>
               <a:t> </a:t>
             </a:r>
             <a:r>
-              <a:rPr lang="en-US" dirty="0" err="1" smtClean="0"/>
+              <a:rPr lang="en-US" dirty="0" err="1" smtClean="0">
+                <a:latin typeface="Calibri" pitchFamily="34" charset="0"/>
+              </a:rPr>
               <a:t>clientY</a:t>
             </a:r>
-            <a:endParaRPr lang="en-US" dirty="0" smtClean="0"/>
+            <a:endParaRPr lang="en-US" dirty="0" smtClean="0">
+              <a:latin typeface="Calibri" pitchFamily="34" charset="0"/>
+            </a:endParaRPr>
           </a:p>
           <a:p>
             <a:pPr lvl="2">
@@ -2372,14 +2423,20 @@
               <a:buChar char="•"/>
             </a:pPr>
             <a:r>
-              <a:rPr lang="en-US" dirty="0" smtClean="0"/>
+              <a:rPr lang="en-US" dirty="0" smtClean="0">
+                <a:latin typeface="Calibri" pitchFamily="34" charset="0"/>
+              </a:rPr>
               <a:t> </a:t>
             </a:r>
             <a:r>
-              <a:rPr lang="en-US" dirty="0" err="1" smtClean="0"/>
+              <a:rPr lang="en-US" dirty="0" err="1" smtClean="0">
+                <a:latin typeface="Calibri" pitchFamily="34" charset="0"/>
+              </a:rPr>
               <a:t>screenX</a:t>
             </a:r>
-            <a:endParaRPr lang="en-US" dirty="0" smtClean="0"/>
+            <a:endParaRPr lang="en-US" dirty="0" smtClean="0">
+              <a:latin typeface="Calibri" pitchFamily="34" charset="0"/>
+            </a:endParaRPr>
           </a:p>
           <a:p>
             <a:pPr lvl="2">
@@ -2387,24 +2444,32 @@
               <a:buChar char="•"/>
             </a:pPr>
             <a:r>
-              <a:rPr lang="en-US" dirty="0" smtClean="0"/>
+              <a:rPr lang="en-US" dirty="0" smtClean="0">
+                <a:latin typeface="Calibri" pitchFamily="34" charset="0"/>
+              </a:rPr>
               <a:t> </a:t>
             </a:r>
             <a:r>
-              <a:rPr lang="en-US" dirty="0" err="1" smtClean="0"/>
+              <a:rPr lang="en-US" dirty="0" err="1" smtClean="0">
+                <a:latin typeface="Calibri" pitchFamily="34" charset="0"/>
+              </a:rPr>
               <a:t>screenY</a:t>
             </a:r>
-            <a:endParaRPr lang="en-US" dirty="0" smtClean="0"/>
-          </a:p>
-          <a:p>
-            <a:endParaRPr lang="en-US" dirty="0"/>
+            <a:endParaRPr lang="en-US" dirty="0" smtClean="0">
+              <a:latin typeface="Calibri" pitchFamily="34" charset="0"/>
+            </a:endParaRPr>
+          </a:p>
+          <a:p>
+            <a:endParaRPr lang="en-US" dirty="0">
+              <a:latin typeface="Calibri" pitchFamily="34" charset="0"/>
+            </a:endParaRPr>
           </a:p>
         </p:txBody>
       </p:sp>
     </p:spTree>
     <p:extLst>
       <p:ext uri="{BB962C8B-B14F-4D97-AF65-F5344CB8AC3E}">
-        <p14:creationId xmlns:p14="http://schemas.microsoft.com/office/powerpoint/2010/main" xmlns="" val="9290874"/>
+        <p14:creationId xmlns="" xmlns:p14="http://schemas.microsoft.com/office/powerpoint/2010/main" val="9290874"/>
       </p:ext>
     </p:extLst>
   </p:cSld>
@@ -2454,10 +2519,14 @@
           <a:lstStyle/>
           <a:p>
             <a:r>
-              <a:rPr lang="ru-RU" dirty="0" smtClean="0"/>
+              <a:rPr lang="ru-RU" dirty="0" smtClean="0">
+                <a:latin typeface="Calibri" pitchFamily="34" charset="0"/>
+              </a:rPr>
               <a:t>События мыши</a:t>
             </a:r>
-            <a:endParaRPr lang="en-US" dirty="0"/>
+            <a:endParaRPr lang="en-US" dirty="0">
+              <a:latin typeface="Calibri" pitchFamily="34" charset="0"/>
+            </a:endParaRPr>
           </a:p>
         </p:txBody>
       </p:sp>
@@ -2623,14 +2692,7 @@
                 <a:latin typeface="Calibri" pitchFamily="34" charset="0"/>
                 <a:cs typeface="Calibri" pitchFamily="34" charset="0"/>
               </a:rPr>
-              <a:t>m</a:t>
-            </a:r>
-            <a:r>
-              <a:rPr lang="en-US" b="1" dirty="0" err="1" smtClean="0">
-                <a:latin typeface="Calibri" pitchFamily="34" charset="0"/>
-                <a:cs typeface="Calibri" pitchFamily="34" charset="0"/>
-              </a:rPr>
-              <a:t>ouseover</a:t>
+              <a:t>mouseover</a:t>
             </a:r>
             <a:r>
               <a:rPr lang="en-US" dirty="0" smtClean="0">
@@ -2651,14 +2713,7 @@
                 <a:latin typeface="Calibri" pitchFamily="34" charset="0"/>
                 <a:cs typeface="Calibri" pitchFamily="34" charset="0"/>
               </a:rPr>
-              <a:t> </a:t>
-            </a:r>
-            <a:r>
-              <a:rPr lang="uk-UA" dirty="0" smtClean="0">
-                <a:latin typeface="Calibri" pitchFamily="34" charset="0"/>
-                <a:cs typeface="Calibri" pitchFamily="34" charset="0"/>
-              </a:rPr>
-              <a:t>появилась над </a:t>
+              <a:t> появилась над </a:t>
             </a:r>
             <a:r>
               <a:rPr lang="uk-UA" dirty="0" err="1" smtClean="0">
@@ -2919,7 +2974,7 @@
     </p:spTree>
     <p:extLst>
       <p:ext uri="{BB962C8B-B14F-4D97-AF65-F5344CB8AC3E}">
-        <p14:creationId xmlns:p14="http://schemas.microsoft.com/office/powerpoint/2010/main" xmlns="" val="4126915530"/>
+        <p14:creationId xmlns="" xmlns:p14="http://schemas.microsoft.com/office/powerpoint/2010/main" val="4126915530"/>
       </p:ext>
     </p:extLst>
   </p:cSld>
@@ -2969,10 +3024,14 @@
           <a:lstStyle/>
           <a:p>
             <a:r>
-              <a:rPr lang="ru-RU" dirty="0" smtClean="0"/>
+              <a:rPr lang="ru-RU" dirty="0" smtClean="0">
+                <a:latin typeface="Calibri" pitchFamily="34" charset="0"/>
+              </a:rPr>
               <a:t>События клавиатуры</a:t>
             </a:r>
-            <a:endParaRPr lang="en-US" dirty="0"/>
+            <a:endParaRPr lang="en-US" dirty="0">
+              <a:latin typeface="Calibri" pitchFamily="34" charset="0"/>
+            </a:endParaRPr>
           </a:p>
         </p:txBody>
       </p:sp>
@@ -3009,70 +3068,21 @@
                 <a:latin typeface="Calibri" pitchFamily="34" charset="0"/>
                 <a:cs typeface="Calibri" pitchFamily="34" charset="0"/>
               </a:rPr>
-              <a:t> - Событие</a:t>
+              <a:t> - Событие </a:t>
+            </a:r>
+            <a:r>
+              <a:rPr lang="ru-RU" dirty="0" err="1" smtClean="0">
+                <a:latin typeface="Calibri" pitchFamily="34" charset="0"/>
+                <a:cs typeface="Calibri" pitchFamily="34" charset="0"/>
+              </a:rPr>
+              <a:t>keydown</a:t>
             </a:r>
             <a:r>
               <a:rPr lang="ru-RU" dirty="0" smtClean="0">
                 <a:latin typeface="Calibri" pitchFamily="34" charset="0"/>
                 <a:cs typeface="Calibri" pitchFamily="34" charset="0"/>
               </a:rPr>
-              <a:t> </a:t>
-            </a:r>
-            <a:r>
-              <a:rPr lang="ru-RU" dirty="0" err="1" smtClean="0">
-                <a:latin typeface="Calibri" pitchFamily="34" charset="0"/>
-                <a:cs typeface="Calibri" pitchFamily="34" charset="0"/>
-              </a:rPr>
-              <a:t>keydown</a:t>
-            </a:r>
-            <a:r>
-              <a:rPr lang="ru-RU" dirty="0" smtClean="0">
-                <a:latin typeface="Calibri" pitchFamily="34" charset="0"/>
-                <a:cs typeface="Calibri" pitchFamily="34" charset="0"/>
-              </a:rPr>
-              <a:t> </a:t>
-            </a:r>
-            <a:r>
-              <a:rPr lang="ru-RU" dirty="0" smtClean="0">
-                <a:latin typeface="Calibri" pitchFamily="34" charset="0"/>
-                <a:cs typeface="Calibri" pitchFamily="34" charset="0"/>
-              </a:rPr>
-              <a:t>происходит </a:t>
-            </a:r>
-            <a:r>
-              <a:rPr lang="ru-RU" dirty="0" smtClean="0">
-                <a:latin typeface="Calibri" pitchFamily="34" charset="0"/>
-                <a:cs typeface="Calibri" pitchFamily="34" charset="0"/>
-              </a:rPr>
-              <a:t>при </a:t>
-            </a:r>
-            <a:r>
-              <a:rPr lang="ru-RU" dirty="0" smtClean="0">
-                <a:latin typeface="Calibri" pitchFamily="34" charset="0"/>
-                <a:cs typeface="Calibri" pitchFamily="34" charset="0"/>
-              </a:rPr>
-              <a:t>нажатии </a:t>
-            </a:r>
-            <a:r>
-              <a:rPr lang="ru-RU" dirty="0" smtClean="0">
-                <a:latin typeface="Calibri" pitchFamily="34" charset="0"/>
-                <a:cs typeface="Calibri" pitchFamily="34" charset="0"/>
-              </a:rPr>
-              <a:t>клавиши и </a:t>
-            </a:r>
-            <a:r>
-              <a:rPr lang="ru-RU" dirty="0" smtClean="0">
-                <a:latin typeface="Calibri" pitchFamily="34" charset="0"/>
-                <a:cs typeface="Calibri" pitchFamily="34" charset="0"/>
-              </a:rPr>
-              <a:t>позволяет </a:t>
-            </a:r>
-            <a:r>
-              <a:rPr lang="ru-RU" dirty="0" smtClean="0">
-                <a:latin typeface="Calibri" pitchFamily="34" charset="0"/>
-                <a:cs typeface="Calibri" pitchFamily="34" charset="0"/>
-              </a:rPr>
-              <a:t>получить её </a:t>
+              <a:t> происходит при нажатии клавиши и позволяет получить её </a:t>
             </a:r>
             <a:r>
               <a:rPr lang="ru-RU" i="1" dirty="0" smtClean="0">
@@ -3122,63 +3132,49 @@
                 <a:latin typeface="Calibri" pitchFamily="34" charset="0"/>
                 <a:cs typeface="Calibri" pitchFamily="34" charset="0"/>
               </a:rPr>
-              <a:t> - </a:t>
+              <a:t> - Событие </a:t>
+            </a:r>
+            <a:r>
+              <a:rPr lang="ru-RU" dirty="0" err="1" smtClean="0">
+                <a:latin typeface="Calibri" pitchFamily="34" charset="0"/>
+                <a:cs typeface="Calibri" pitchFamily="34" charset="0"/>
+              </a:rPr>
+              <a:t>keypress</a:t>
             </a:r>
             <a:r>
               <a:rPr lang="ru-RU" dirty="0" smtClean="0">
                 <a:latin typeface="Calibri" pitchFamily="34" charset="0"/>
                 <a:cs typeface="Calibri" pitchFamily="34" charset="0"/>
               </a:rPr>
-              <a:t>Событие </a:t>
+              <a:t> возникает сразу после </a:t>
             </a:r>
             <a:r>
               <a:rPr lang="ru-RU" dirty="0" err="1" smtClean="0">
                 <a:latin typeface="Calibri" pitchFamily="34" charset="0"/>
                 <a:cs typeface="Calibri" pitchFamily="34" charset="0"/>
               </a:rPr>
-              <a:t>keypress</a:t>
+              <a:t>keydown</a:t>
             </a:r>
             <a:r>
               <a:rPr lang="ru-RU" dirty="0" smtClean="0">
                 <a:latin typeface="Calibri" pitchFamily="34" charset="0"/>
                 <a:cs typeface="Calibri" pitchFamily="34" charset="0"/>
               </a:rPr>
-              <a:t> возникает сразу после </a:t>
-            </a:r>
-            <a:r>
-              <a:rPr lang="ru-RU" dirty="0" err="1" smtClean="0">
-                <a:latin typeface="Calibri" pitchFamily="34" charset="0"/>
-                <a:cs typeface="Calibri" pitchFamily="34" charset="0"/>
-              </a:rPr>
-              <a:t>keydown</a:t>
+              <a:t>, если нажата </a:t>
+            </a:r>
+            <a:r>
+              <a:rPr lang="ru-RU" i="1" dirty="0" smtClean="0">
+                <a:latin typeface="Calibri" pitchFamily="34" charset="0"/>
+                <a:cs typeface="Calibri" pitchFamily="34" charset="0"/>
+              </a:rPr>
+              <a:t>символьная</a:t>
             </a:r>
             <a:r>
               <a:rPr lang="ru-RU" dirty="0" smtClean="0">
                 <a:latin typeface="Calibri" pitchFamily="34" charset="0"/>
                 <a:cs typeface="Calibri" pitchFamily="34" charset="0"/>
               </a:rPr>
-              <a:t>, если нажата </a:t>
-            </a:r>
-            <a:r>
-              <a:rPr lang="ru-RU" i="1" dirty="0" smtClean="0">
-                <a:latin typeface="Calibri" pitchFamily="34" charset="0"/>
-                <a:cs typeface="Calibri" pitchFamily="34" charset="0"/>
-              </a:rPr>
-              <a:t>символьная</a:t>
-            </a:r>
-            <a:r>
-              <a:rPr lang="ru-RU" dirty="0" smtClean="0">
-                <a:latin typeface="Calibri" pitchFamily="34" charset="0"/>
-                <a:cs typeface="Calibri" pitchFamily="34" charset="0"/>
-              </a:rPr>
-              <a:t> клавиша, т.е. нажатие приводит к появлению символа.</a:t>
-            </a:r>
-            <a:r>
-              <a:rPr lang="ru-RU" dirty="0" smtClean="0">
-                <a:latin typeface="Calibri" pitchFamily="34" charset="0"/>
-                <a:cs typeface="Calibri" pitchFamily="34" charset="0"/>
-              </a:rPr>
-              <a:t>  </a:t>
+              <a:t> клавиша, т.е. нажатие приводит к появлению символа.  </a:t>
             </a:r>
           </a:p>
           <a:p>
@@ -3200,70 +3196,28 @@
                 <a:latin typeface="Calibri" pitchFamily="34" charset="0"/>
                 <a:cs typeface="Calibri" pitchFamily="34" charset="0"/>
               </a:rPr>
-              <a:t> - </a:t>
+              <a:t> - Событие </a:t>
+            </a:r>
+            <a:r>
+              <a:rPr lang="ru-RU" dirty="0" err="1" smtClean="0">
+                <a:latin typeface="Calibri" pitchFamily="34" charset="0"/>
+                <a:cs typeface="Calibri" pitchFamily="34" charset="0"/>
+              </a:rPr>
+              <a:t>key</a:t>
+            </a:r>
+            <a:r>
+              <a:rPr lang="en-US" dirty="0" smtClean="0">
+                <a:latin typeface="Calibri" pitchFamily="34" charset="0"/>
+                <a:cs typeface="Calibri" pitchFamily="34" charset="0"/>
+              </a:rPr>
+              <a:t>up </a:t>
             </a:r>
             <a:r>
               <a:rPr lang="ru-RU" dirty="0" smtClean="0">
                 <a:latin typeface="Calibri" pitchFamily="34" charset="0"/>
                 <a:cs typeface="Calibri" pitchFamily="34" charset="0"/>
               </a:rPr>
-              <a:t>Событие </a:t>
-            </a:r>
-            <a:r>
-              <a:rPr lang="ru-RU" dirty="0" err="1" smtClean="0">
-                <a:latin typeface="Calibri" pitchFamily="34" charset="0"/>
-                <a:cs typeface="Calibri" pitchFamily="34" charset="0"/>
-              </a:rPr>
-              <a:t>key</a:t>
-            </a:r>
-            <a:r>
-              <a:rPr lang="en-US" dirty="0" smtClean="0">
-                <a:latin typeface="Calibri" pitchFamily="34" charset="0"/>
-                <a:cs typeface="Calibri" pitchFamily="34" charset="0"/>
-              </a:rPr>
-              <a:t>up </a:t>
-            </a:r>
-            <a:r>
-              <a:rPr lang="ru-RU" dirty="0" smtClean="0">
-                <a:latin typeface="Calibri" pitchFamily="34" charset="0"/>
-                <a:cs typeface="Calibri" pitchFamily="34" charset="0"/>
-              </a:rPr>
-              <a:t>происходит </a:t>
-            </a:r>
-            <a:r>
-              <a:rPr lang="ru-RU" dirty="0" smtClean="0">
-                <a:latin typeface="Calibri" pitchFamily="34" charset="0"/>
-                <a:cs typeface="Calibri" pitchFamily="34" charset="0"/>
-              </a:rPr>
-              <a:t>при </a:t>
-            </a:r>
-            <a:r>
-              <a:rPr lang="ru-RU" dirty="0" smtClean="0">
-                <a:latin typeface="Calibri" pitchFamily="34" charset="0"/>
-                <a:cs typeface="Calibri" pitchFamily="34" charset="0"/>
-              </a:rPr>
-              <a:t>отпускании </a:t>
-            </a:r>
-            <a:r>
-              <a:rPr lang="ru-RU" dirty="0" smtClean="0">
-                <a:latin typeface="Calibri" pitchFamily="34" charset="0"/>
-                <a:cs typeface="Calibri" pitchFamily="34" charset="0"/>
-              </a:rPr>
-              <a:t>клавиши и </a:t>
-            </a:r>
-            <a:r>
-              <a:rPr lang="ru-RU" dirty="0" smtClean="0">
-                <a:latin typeface="Calibri" pitchFamily="34" charset="0"/>
-                <a:cs typeface="Calibri" pitchFamily="34" charset="0"/>
-              </a:rPr>
-              <a:t>позволяет </a:t>
-            </a:r>
-            <a:r>
-              <a:rPr lang="ru-RU" dirty="0" smtClean="0">
-                <a:latin typeface="Calibri" pitchFamily="34" charset="0"/>
-                <a:cs typeface="Calibri" pitchFamily="34" charset="0"/>
-              </a:rPr>
-              <a:t>получить её </a:t>
+              <a:t>происходит при отпускании клавиши и позволяет получить её </a:t>
             </a:r>
             <a:r>
               <a:rPr lang="ru-RU" i="1" dirty="0" smtClean="0">
@@ -3299,7 +3253,7 @@
     </p:spTree>
     <p:extLst>
       <p:ext uri="{BB962C8B-B14F-4D97-AF65-F5344CB8AC3E}">
-        <p14:creationId xmlns:p14="http://schemas.microsoft.com/office/powerpoint/2010/main" xmlns="" val="2015409003"/>
+        <p14:creationId xmlns="" xmlns:p14="http://schemas.microsoft.com/office/powerpoint/2010/main" val="2015409003"/>
       </p:ext>
     </p:extLst>
   </p:cSld>
@@ -3349,10 +3303,14 @@
           <a:lstStyle/>
           <a:p>
             <a:r>
-              <a:rPr lang="ru-RU" dirty="0" smtClean="0"/>
+              <a:rPr lang="ru-RU" dirty="0" smtClean="0">
+                <a:latin typeface="Calibri" pitchFamily="34" charset="0"/>
+              </a:rPr>
               <a:t>Загрузка документа. События</a:t>
             </a:r>
-            <a:endParaRPr lang="en-US" dirty="0"/>
+            <a:endParaRPr lang="en-US" dirty="0">
+              <a:latin typeface="Calibri" pitchFamily="34" charset="0"/>
+            </a:endParaRPr>
           </a:p>
         </p:txBody>
       </p:sp>
@@ -3365,7 +3323,7 @@
         <p:spPr>
           <a:xfrm>
             <a:off x="457200" y="1108710"/>
-            <a:ext cx="7955280" cy="3139321"/>
+            <a:ext cx="7955280" cy="2862322"/>
           </a:xfrm>
           <a:prstGeom prst="rect">
             <a:avLst/>
@@ -3379,89 +3337,103 @@
           <a:lstStyle/>
           <a:p>
             <a:r>
-              <a:rPr lang="ru-RU" b="1" dirty="0" err="1" smtClean="0"/>
+              <a:rPr lang="ru-RU" b="1" dirty="0" err="1" smtClean="0">
+                <a:latin typeface="Calibri" pitchFamily="34" charset="0"/>
+              </a:rPr>
               <a:t>DOMContentLoaded</a:t>
             </a:r>
             <a:r>
-              <a:rPr lang="ru-RU" dirty="0" smtClean="0"/>
-              <a:t> – </a:t>
-            </a:r>
-            <a:r>
-              <a:rPr lang="ru-RU" dirty="0" smtClean="0"/>
-              <a:t>событие </a:t>
-            </a:r>
-            <a:r>
-              <a:rPr lang="ru-RU" dirty="0" err="1" smtClean="0"/>
+              <a:rPr lang="ru-RU" dirty="0" smtClean="0">
+                <a:latin typeface="Calibri" pitchFamily="34" charset="0"/>
+              </a:rPr>
+              <a:t> – событие </a:t>
+            </a:r>
+            <a:r>
+              <a:rPr lang="ru-RU" dirty="0" err="1" smtClean="0">
+                <a:latin typeface="Calibri" pitchFamily="34" charset="0"/>
+              </a:rPr>
               <a:t>происзодит</a:t>
             </a:r>
             <a:r>
-              <a:rPr lang="ru-RU" dirty="0" smtClean="0"/>
-              <a:t>, когда все </a:t>
-            </a:r>
-            <a:r>
-              <a:rPr lang="ru-RU" dirty="0" smtClean="0"/>
-              <a:t>DOM-элементы разметки уже созданы, можно их искать, вешать обработчики, создавать интерфейс, но при этом, возможно, ещё не догрузились какие-то картинки или стили</a:t>
-            </a:r>
-            <a:r>
-              <a:rPr lang="ru-RU" dirty="0" smtClean="0"/>
-              <a:t>. </a:t>
-            </a:r>
-          </a:p>
-          <a:p>
-            <a:endParaRPr lang="ru-RU" dirty="0" smtClean="0"/>
-          </a:p>
-          <a:p>
-            <a:r>
-              <a:rPr lang="ru-RU" b="1" dirty="0" err="1" smtClean="0"/>
+              <a:rPr lang="ru-RU" dirty="0" smtClean="0">
+                <a:latin typeface="Calibri" pitchFamily="34" charset="0"/>
+              </a:rPr>
+              <a:t>, когда все DOM-элементы разметки уже созданы, можно их искать, вешать обработчики, создавать интерфейс, но при этом, возможно, ещё не догрузились какие-то картинки или стили. </a:t>
+            </a:r>
+          </a:p>
+          <a:p>
+            <a:endParaRPr lang="ru-RU" dirty="0" smtClean="0">
+              <a:latin typeface="Calibri" pitchFamily="34" charset="0"/>
+            </a:endParaRPr>
+          </a:p>
+          <a:p>
+            <a:r>
+              <a:rPr lang="ru-RU" b="1" dirty="0" err="1" smtClean="0">
+                <a:latin typeface="Calibri" pitchFamily="34" charset="0"/>
+              </a:rPr>
               <a:t>load</a:t>
             </a:r>
             <a:r>
-              <a:rPr lang="ru-RU" b="1" dirty="0" smtClean="0"/>
+              <a:rPr lang="ru-RU" b="1" dirty="0" smtClean="0">
+                <a:latin typeface="Calibri" pitchFamily="34" charset="0"/>
+              </a:rPr>
               <a:t> </a:t>
             </a:r>
             <a:r>
-              <a:rPr lang="ru-RU" dirty="0" smtClean="0"/>
-              <a:t>– страница и все ресурсы загружены, используется редко, обычно нет нужды ждать этого момента</a:t>
-            </a:r>
-            <a:r>
-              <a:rPr lang="ru-RU" dirty="0" smtClean="0"/>
-              <a:t>. </a:t>
-            </a:r>
-          </a:p>
-          <a:p>
-            <a:endParaRPr lang="ru-RU" dirty="0" smtClean="0"/>
-          </a:p>
-          <a:p>
-            <a:r>
-              <a:rPr lang="ru-RU" b="1" dirty="0" err="1" smtClean="0"/>
+              <a:rPr lang="ru-RU" dirty="0" smtClean="0">
+                <a:latin typeface="Calibri" pitchFamily="34" charset="0"/>
+              </a:rPr>
+              <a:t>– страница и все ресурсы загружены, используется редко, обычно нет нужды ждать этого момента. </a:t>
+            </a:r>
+          </a:p>
+          <a:p>
+            <a:endParaRPr lang="ru-RU" dirty="0" smtClean="0">
+              <a:latin typeface="Calibri" pitchFamily="34" charset="0"/>
+            </a:endParaRPr>
+          </a:p>
+          <a:p>
+            <a:r>
+              <a:rPr lang="ru-RU" b="1" dirty="0" err="1" smtClean="0">
+                <a:latin typeface="Calibri" pitchFamily="34" charset="0"/>
+              </a:rPr>
               <a:t>beforeunload</a:t>
             </a:r>
             <a:r>
-              <a:rPr lang="ru-RU" b="1" dirty="0" smtClean="0"/>
+              <a:rPr lang="ru-RU" b="1" dirty="0" smtClean="0">
+                <a:latin typeface="Calibri" pitchFamily="34" charset="0"/>
+              </a:rPr>
               <a:t>/</a:t>
             </a:r>
             <a:r>
-              <a:rPr lang="ru-RU" b="1" dirty="0" err="1" smtClean="0"/>
+              <a:rPr lang="ru-RU" b="1" dirty="0" err="1" smtClean="0">
+                <a:latin typeface="Calibri" pitchFamily="34" charset="0"/>
+              </a:rPr>
               <a:t>unload</a:t>
             </a:r>
             <a:r>
-              <a:rPr lang="ru-RU" b="1" dirty="0" smtClean="0"/>
+              <a:rPr lang="ru-RU" b="1" dirty="0" smtClean="0">
+                <a:latin typeface="Calibri" pitchFamily="34" charset="0"/>
+              </a:rPr>
               <a:t> </a:t>
             </a:r>
             <a:r>
-              <a:rPr lang="ru-RU" dirty="0" smtClean="0"/>
+              <a:rPr lang="ru-RU" dirty="0" smtClean="0">
+                <a:latin typeface="Calibri" pitchFamily="34" charset="0"/>
+              </a:rPr>
               <a:t>– можно проверить, сохранил ли посетитель изменения, уточнить, действительно ли он хочет покинуть страницу.</a:t>
             </a:r>
           </a:p>
           <a:p>
-            <a:endParaRPr lang="en-US" dirty="0"/>
+            <a:endParaRPr lang="en-US" dirty="0">
+              <a:latin typeface="Calibri" pitchFamily="34" charset="0"/>
+            </a:endParaRPr>
           </a:p>
         </p:txBody>
       </p:sp>
     </p:spTree>
     <p:extLst>
       <p:ext uri="{BB962C8B-B14F-4D97-AF65-F5344CB8AC3E}">
-        <p14:creationId xmlns:p14="http://schemas.microsoft.com/office/powerpoint/2010/main" xmlns="" val="384071384"/>
+        <p14:creationId xmlns="" xmlns:p14="http://schemas.microsoft.com/office/powerpoint/2010/main" val="384071384"/>
       </p:ext>
     </p:extLst>
   </p:cSld>
@@ -3507,8 +3479,8 @@
         </p:nvSpPr>
         <p:spPr>
           <a:xfrm>
-            <a:off x="457200" y="209550"/>
-            <a:ext cx="8229600" cy="716280"/>
+            <a:off x="457200" y="11430"/>
+            <a:ext cx="8229600" cy="914400"/>
           </a:xfrm>
         </p:spPr>
         <p:txBody>
@@ -3516,10 +3488,14 @@
           <a:lstStyle/>
           <a:p>
             <a:r>
-              <a:rPr lang="ru-RU" sz="2800" dirty="0" smtClean="0"/>
+              <a:rPr lang="ru-RU" sz="2800" dirty="0" smtClean="0">
+                <a:latin typeface="Calibri" pitchFamily="34" charset="0"/>
+              </a:rPr>
               <a:t>Загрузка внешних ресурсов</a:t>
             </a:r>
-            <a:endParaRPr lang="en-US" sz="2800" dirty="0"/>
+            <a:endParaRPr lang="en-US" sz="2800" dirty="0">
+              <a:latin typeface="Calibri" pitchFamily="34" charset="0"/>
+            </a:endParaRPr>
           </a:p>
         </p:txBody>
       </p:sp>
@@ -3531,8 +3507,8 @@
         </p:nvSpPr>
         <p:spPr>
           <a:xfrm>
-            <a:off x="457200" y="925830"/>
-            <a:ext cx="7680960" cy="3970318"/>
+            <a:off x="731520" y="1474470"/>
+            <a:ext cx="7680960" cy="2308324"/>
           </a:xfrm>
           <a:prstGeom prst="rect">
             <a:avLst/>
@@ -3567,25 +3543,18 @@
               <a:t>, </a:t>
             </a:r>
             <a:r>
-              <a:rPr lang="ru-RU" dirty="0" err="1" smtClean="0">
-                <a:latin typeface="Calibri" pitchFamily="34" charset="0"/>
-                <a:cs typeface="Calibri" pitchFamily="34" charset="0"/>
-              </a:rPr>
-              <a:t>ифреймов</a:t>
-            </a:r>
-            <a:r>
               <a:rPr lang="ru-RU" dirty="0" smtClean="0">
                 <a:latin typeface="Calibri" pitchFamily="34" charset="0"/>
                 <a:cs typeface="Calibri" pitchFamily="34" charset="0"/>
               </a:rPr>
-              <a:t>, картинок и других</a:t>
+              <a:t>фреймов</a:t>
             </a:r>
             <a:r>
               <a:rPr lang="ru-RU" dirty="0" smtClean="0">
                 <a:latin typeface="Calibri" pitchFamily="34" charset="0"/>
                 <a:cs typeface="Calibri" pitchFamily="34" charset="0"/>
               </a:rPr>
-              <a:t>. </a:t>
+              <a:t>, картинок и других. </a:t>
             </a:r>
           </a:p>
           <a:p>
@@ -3600,14 +3569,7 @@
                 <a:latin typeface="Calibri" pitchFamily="34" charset="0"/>
                 <a:cs typeface="Calibri" pitchFamily="34" charset="0"/>
               </a:rPr>
-              <a:t>Для этого есть два события</a:t>
-            </a:r>
-            <a:r>
-              <a:rPr lang="ru-RU" dirty="0" smtClean="0">
-                <a:latin typeface="Calibri" pitchFamily="34" charset="0"/>
-                <a:cs typeface="Calibri" pitchFamily="34" charset="0"/>
-              </a:rPr>
-              <a:t>: </a:t>
+              <a:t>Для этого есть два события: </a:t>
             </a:r>
           </a:p>
           <a:p>
@@ -3652,14 +3614,7 @@
                 <a:latin typeface="Calibri" pitchFamily="34" charset="0"/>
                 <a:cs typeface="Calibri" pitchFamily="34" charset="0"/>
               </a:rPr>
-              <a:t> – если при загрузке произошла ошибка</a:t>
-            </a:r>
-            <a:r>
-              <a:rPr lang="ru-RU" dirty="0" smtClean="0">
-                <a:latin typeface="Calibri" pitchFamily="34" charset="0"/>
-                <a:cs typeface="Calibri" pitchFamily="34" charset="0"/>
-              </a:rPr>
-              <a:t>. </a:t>
+              <a:t> – если при загрузке произошла ошибка. </a:t>
             </a:r>
           </a:p>
           <a:p>
@@ -3667,237 +3622,13 @@
               <a:latin typeface="Calibri" pitchFamily="34" charset="0"/>
               <a:cs typeface="Calibri" pitchFamily="34" charset="0"/>
             </a:endParaRPr>
-          </a:p>
-          <a:p>
-            <a:r>
-              <a:rPr lang="ru-RU" dirty="0" smtClean="0">
-                <a:latin typeface="Calibri" pitchFamily="34" charset="0"/>
-                <a:cs typeface="Calibri" pitchFamily="34" charset="0"/>
-              </a:rPr>
-              <a:t>В </a:t>
-            </a:r>
-            <a:r>
-              <a:rPr lang="ru-RU" dirty="0" err="1" smtClean="0">
-                <a:latin typeface="Calibri" pitchFamily="34" charset="0"/>
-                <a:cs typeface="Calibri" pitchFamily="34" charset="0"/>
-              </a:rPr>
-              <a:t>IE</a:t>
-            </a:r>
-            <a:r>
-              <a:rPr lang="ru-RU" dirty="0" smtClean="0">
-                <a:latin typeface="Calibri" pitchFamily="34" charset="0"/>
-                <a:cs typeface="Calibri" pitchFamily="34" charset="0"/>
-              </a:rPr>
-              <a:t> для отслеживания загрузки есть другое событие: </a:t>
-            </a:r>
-            <a:r>
-              <a:rPr lang="ru-RU" b="1" dirty="0" err="1" smtClean="0">
-                <a:latin typeface="Calibri" pitchFamily="34" charset="0"/>
-                <a:cs typeface="Calibri" pitchFamily="34" charset="0"/>
-              </a:rPr>
-              <a:t>onreadystatechange</a:t>
-            </a:r>
-            <a:r>
-              <a:rPr lang="ru-RU" dirty="0" smtClean="0">
-                <a:latin typeface="Calibri" pitchFamily="34" charset="0"/>
-                <a:cs typeface="Calibri" pitchFamily="34" charset="0"/>
-              </a:rPr>
-              <a:t>. </a:t>
-            </a:r>
-            <a:r>
-              <a:rPr lang="ru-RU" dirty="0" smtClean="0">
-                <a:latin typeface="Calibri" pitchFamily="34" charset="0"/>
-                <a:cs typeface="Calibri" pitchFamily="34" charset="0"/>
-              </a:rPr>
-              <a:t>Текущая </a:t>
-            </a:r>
-            <a:r>
-              <a:rPr lang="ru-RU" dirty="0" smtClean="0">
-                <a:latin typeface="Calibri" pitchFamily="34" charset="0"/>
-                <a:cs typeface="Calibri" pitchFamily="34" charset="0"/>
-              </a:rPr>
-              <a:t>стадия процесса находится в </a:t>
-            </a:r>
-            <a:r>
-              <a:rPr lang="ru-RU" b="1" dirty="0" err="1" smtClean="0">
-                <a:latin typeface="Calibri" pitchFamily="34" charset="0"/>
-                <a:cs typeface="Calibri" pitchFamily="34" charset="0"/>
-              </a:rPr>
-              <a:t>script.readyState</a:t>
-            </a:r>
-            <a:r>
-              <a:rPr lang="ru-RU" b="1" dirty="0" smtClean="0">
-                <a:latin typeface="Calibri" pitchFamily="34" charset="0"/>
-                <a:cs typeface="Calibri" pitchFamily="34" charset="0"/>
-              </a:rPr>
-              <a:t>: </a:t>
-            </a:r>
-          </a:p>
-          <a:p>
-            <a:endParaRPr lang="ru-RU" b="1" dirty="0" smtClean="0">
-              <a:latin typeface="Calibri" pitchFamily="34" charset="0"/>
-              <a:cs typeface="Calibri" pitchFamily="34" charset="0"/>
-            </a:endParaRPr>
-          </a:p>
-          <a:p>
-            <a:r>
-              <a:rPr lang="ru-RU" b="1" dirty="0" smtClean="0">
-                <a:latin typeface="Calibri" pitchFamily="34" charset="0"/>
-                <a:cs typeface="Calibri" pitchFamily="34" charset="0"/>
-              </a:rPr>
-              <a:t>	</a:t>
-            </a:r>
-            <a:r>
-              <a:rPr lang="ru-RU" b="1" dirty="0" err="1" smtClean="0">
-                <a:latin typeface="Calibri" pitchFamily="34" charset="0"/>
-                <a:cs typeface="Calibri" pitchFamily="34" charset="0"/>
-              </a:rPr>
-              <a:t>loading</a:t>
-            </a:r>
-            <a:r>
-              <a:rPr lang="ru-RU" dirty="0" smtClean="0">
-                <a:latin typeface="Calibri" pitchFamily="34" charset="0"/>
-                <a:cs typeface="Calibri" pitchFamily="34" charset="0"/>
-              </a:rPr>
-              <a:t> - В </a:t>
-            </a:r>
-            <a:r>
-              <a:rPr lang="ru-RU" dirty="0" smtClean="0">
-                <a:latin typeface="Calibri" pitchFamily="34" charset="0"/>
-                <a:cs typeface="Calibri" pitchFamily="34" charset="0"/>
-              </a:rPr>
-              <a:t>процессе загрузки</a:t>
-            </a:r>
-            <a:r>
-              <a:rPr lang="ru-RU" dirty="0" smtClean="0">
-                <a:latin typeface="Calibri" pitchFamily="34" charset="0"/>
-                <a:cs typeface="Calibri" pitchFamily="34" charset="0"/>
-              </a:rPr>
-              <a:t>. </a:t>
-            </a:r>
-          </a:p>
-          <a:p>
-            <a:r>
-              <a:rPr lang="ru-RU" b="1" dirty="0" smtClean="0">
-                <a:latin typeface="Calibri" pitchFamily="34" charset="0"/>
-                <a:cs typeface="Calibri" pitchFamily="34" charset="0"/>
-              </a:rPr>
-              <a:t>	</a:t>
-            </a:r>
-            <a:r>
-              <a:rPr lang="ru-RU" b="1" dirty="0" err="1" smtClean="0">
-                <a:latin typeface="Calibri" pitchFamily="34" charset="0"/>
-                <a:cs typeface="Calibri" pitchFamily="34" charset="0"/>
-              </a:rPr>
-              <a:t>loaded</a:t>
-            </a:r>
-            <a:r>
-              <a:rPr lang="ru-RU" b="1" dirty="0" smtClean="0">
-                <a:latin typeface="Calibri" pitchFamily="34" charset="0"/>
-                <a:cs typeface="Calibri" pitchFamily="34" charset="0"/>
-              </a:rPr>
-              <a:t> </a:t>
-            </a:r>
-            <a:r>
-              <a:rPr lang="ru-RU" dirty="0" smtClean="0">
-                <a:latin typeface="Calibri" pitchFamily="34" charset="0"/>
-                <a:cs typeface="Calibri" pitchFamily="34" charset="0"/>
-              </a:rPr>
-              <a:t>- Получен </a:t>
-            </a:r>
-            <a:r>
-              <a:rPr lang="ru-RU" dirty="0" smtClean="0">
-                <a:latin typeface="Calibri" pitchFamily="34" charset="0"/>
-                <a:cs typeface="Calibri" pitchFamily="34" charset="0"/>
-              </a:rPr>
-              <a:t>ответ с сервера – </a:t>
-            </a:r>
-            <a:r>
-              <a:rPr lang="ru-RU" dirty="0" err="1" smtClean="0">
-                <a:latin typeface="Calibri" pitchFamily="34" charset="0"/>
-                <a:cs typeface="Calibri" pitchFamily="34" charset="0"/>
-              </a:rPr>
-              <a:t>скрипт</a:t>
-            </a:r>
-            <a:r>
-              <a:rPr lang="ru-RU" dirty="0" smtClean="0">
-                <a:latin typeface="Calibri" pitchFamily="34" charset="0"/>
-                <a:cs typeface="Calibri" pitchFamily="34" charset="0"/>
-              </a:rPr>
-              <a:t> или </a:t>
-            </a:r>
-            <a:r>
-              <a:rPr lang="ru-RU" dirty="0" smtClean="0">
-                <a:latin typeface="Calibri" pitchFamily="34" charset="0"/>
-                <a:cs typeface="Calibri" pitchFamily="34" charset="0"/>
-              </a:rPr>
-              <a:t>ошибка. </a:t>
-            </a:r>
-          </a:p>
-          <a:p>
-            <a:r>
-              <a:rPr lang="ru-RU" b="1" dirty="0" smtClean="0">
-                <a:latin typeface="Calibri" pitchFamily="34" charset="0"/>
-                <a:cs typeface="Calibri" pitchFamily="34" charset="0"/>
-              </a:rPr>
-              <a:t>	</a:t>
-            </a:r>
-            <a:r>
-              <a:rPr lang="ru-RU" b="1" dirty="0" err="1" smtClean="0">
-                <a:latin typeface="Calibri" pitchFamily="34" charset="0"/>
-                <a:cs typeface="Calibri" pitchFamily="34" charset="0"/>
-              </a:rPr>
-              <a:t>complete</a:t>
-            </a:r>
-            <a:r>
-              <a:rPr lang="ru-RU" b="1" dirty="0" smtClean="0">
-                <a:latin typeface="Calibri" pitchFamily="34" charset="0"/>
-                <a:cs typeface="Calibri" pitchFamily="34" charset="0"/>
-              </a:rPr>
-              <a:t> </a:t>
-            </a:r>
-            <a:r>
-              <a:rPr lang="ru-RU" dirty="0" smtClean="0">
-                <a:latin typeface="Calibri" pitchFamily="34" charset="0"/>
-                <a:cs typeface="Calibri" pitchFamily="34" charset="0"/>
-              </a:rPr>
-              <a:t>- </a:t>
-            </a:r>
-            <a:r>
-              <a:rPr lang="ru-RU" dirty="0" err="1" smtClean="0">
-                <a:latin typeface="Calibri" pitchFamily="34" charset="0"/>
-                <a:cs typeface="Calibri" pitchFamily="34" charset="0"/>
-              </a:rPr>
-              <a:t>Скрипт</a:t>
-            </a:r>
-            <a:r>
-              <a:rPr lang="ru-RU" dirty="0" smtClean="0">
-                <a:latin typeface="Calibri" pitchFamily="34" charset="0"/>
-                <a:cs typeface="Calibri" pitchFamily="34" charset="0"/>
-              </a:rPr>
-              <a:t> </a:t>
-            </a:r>
-            <a:r>
-              <a:rPr lang="ru-RU" dirty="0" smtClean="0">
-                <a:latin typeface="Calibri" pitchFamily="34" charset="0"/>
-                <a:cs typeface="Calibri" pitchFamily="34" charset="0"/>
-              </a:rPr>
-              <a:t>выполнен</a:t>
-            </a:r>
-            <a:r>
-              <a:rPr lang="ru-RU" dirty="0" smtClean="0">
-                <a:latin typeface="Calibri" pitchFamily="34" charset="0"/>
-                <a:cs typeface="Calibri" pitchFamily="34" charset="0"/>
-              </a:rPr>
-              <a:t>. </a:t>
-            </a:r>
           </a:p>
         </p:txBody>
       </p:sp>
     </p:spTree>
     <p:extLst>
       <p:ext uri="{BB962C8B-B14F-4D97-AF65-F5344CB8AC3E}">
-        <p14:creationId xmlns:p14="http://schemas.microsoft.com/office/powerpoint/2010/main" xmlns="" val="9290874"/>
+        <p14:creationId xmlns="" xmlns:p14="http://schemas.microsoft.com/office/powerpoint/2010/main" val="9290874"/>
       </p:ext>
     </p:extLst>
   </p:cSld>
